--- a/images/logo3.pptx
+++ b/images/logo3.pptx
@@ -105,6 +105,11 @@
       </a:defRPr>
     </a:lvl9pPr>
   </p:defaultTextStyle>
+  <p:extLst>
+    <p:ext uri="{EFAFB233-063F-42B5-8137-9DF3F51BA10A}">
+      <p15:sldGuideLst xmlns:p15="http://schemas.microsoft.com/office/powerpoint/2012/main"/>
+    </p:ext>
+  </p:extLst>
 </p:presentation>
 </file>
 
@@ -259,7 +264,7 @@
           <a:p>
             <a:fld id="{D0382469-18F5-4032-9568-07A3780B7EB0}" type="datetimeFigureOut">
               <a:rPr kumimoji="1" lang="ja-JP" altLang="en-US" smtClean="0"/>
-              <a:t>2017/7/26</a:t>
+              <a:t>2017/9/5</a:t>
             </a:fld>
             <a:endParaRPr kumimoji="1" lang="ja-JP" altLang="en-US"/>
           </a:p>
@@ -489,7 +494,7 @@
           <a:p>
             <a:fld id="{D0382469-18F5-4032-9568-07A3780B7EB0}" type="datetimeFigureOut">
               <a:rPr kumimoji="1" lang="ja-JP" altLang="en-US" smtClean="0"/>
-              <a:t>2017/7/26</a:t>
+              <a:t>2017/9/5</a:t>
             </a:fld>
             <a:endParaRPr kumimoji="1" lang="ja-JP" altLang="en-US"/>
           </a:p>
@@ -729,7 +734,7 @@
           <a:p>
             <a:fld id="{D0382469-18F5-4032-9568-07A3780B7EB0}" type="datetimeFigureOut">
               <a:rPr kumimoji="1" lang="ja-JP" altLang="en-US" smtClean="0"/>
-              <a:t>2017/7/26</a:t>
+              <a:t>2017/9/5</a:t>
             </a:fld>
             <a:endParaRPr kumimoji="1" lang="ja-JP" altLang="en-US"/>
           </a:p>
@@ -959,7 +964,7 @@
           <a:p>
             <a:fld id="{D0382469-18F5-4032-9568-07A3780B7EB0}" type="datetimeFigureOut">
               <a:rPr kumimoji="1" lang="ja-JP" altLang="en-US" smtClean="0"/>
-              <a:t>2017/7/26</a:t>
+              <a:t>2017/9/5</a:t>
             </a:fld>
             <a:endParaRPr kumimoji="1" lang="ja-JP" altLang="en-US"/>
           </a:p>
@@ -1234,7 +1239,7 @@
           <a:p>
             <a:fld id="{D0382469-18F5-4032-9568-07A3780B7EB0}" type="datetimeFigureOut">
               <a:rPr kumimoji="1" lang="ja-JP" altLang="en-US" smtClean="0"/>
-              <a:t>2017/7/26</a:t>
+              <a:t>2017/9/5</a:t>
             </a:fld>
             <a:endParaRPr kumimoji="1" lang="ja-JP" altLang="en-US"/>
           </a:p>
@@ -1563,7 +1568,7 @@
           <a:p>
             <a:fld id="{D0382469-18F5-4032-9568-07A3780B7EB0}" type="datetimeFigureOut">
               <a:rPr kumimoji="1" lang="ja-JP" altLang="en-US" smtClean="0"/>
-              <a:t>2017/7/26</a:t>
+              <a:t>2017/9/5</a:t>
             </a:fld>
             <a:endParaRPr kumimoji="1" lang="ja-JP" altLang="en-US"/>
           </a:p>
@@ -2039,7 +2044,7 @@
           <a:p>
             <a:fld id="{D0382469-18F5-4032-9568-07A3780B7EB0}" type="datetimeFigureOut">
               <a:rPr kumimoji="1" lang="ja-JP" altLang="en-US" smtClean="0"/>
-              <a:t>2017/7/26</a:t>
+              <a:t>2017/9/5</a:t>
             </a:fld>
             <a:endParaRPr kumimoji="1" lang="ja-JP" altLang="en-US"/>
           </a:p>
@@ -2180,7 +2185,7 @@
           <a:p>
             <a:fld id="{D0382469-18F5-4032-9568-07A3780B7EB0}" type="datetimeFigureOut">
               <a:rPr kumimoji="1" lang="ja-JP" altLang="en-US" smtClean="0"/>
-              <a:t>2017/7/26</a:t>
+              <a:t>2017/9/5</a:t>
             </a:fld>
             <a:endParaRPr kumimoji="1" lang="ja-JP" altLang="en-US"/>
           </a:p>
@@ -2293,7 +2298,7 @@
           <a:p>
             <a:fld id="{D0382469-18F5-4032-9568-07A3780B7EB0}" type="datetimeFigureOut">
               <a:rPr kumimoji="1" lang="ja-JP" altLang="en-US" smtClean="0"/>
-              <a:t>2017/7/26</a:t>
+              <a:t>2017/9/5</a:t>
             </a:fld>
             <a:endParaRPr kumimoji="1" lang="ja-JP" altLang="en-US"/>
           </a:p>
@@ -2636,7 +2641,7 @@
           <a:p>
             <a:fld id="{D0382469-18F5-4032-9568-07A3780B7EB0}" type="datetimeFigureOut">
               <a:rPr kumimoji="1" lang="ja-JP" altLang="en-US" smtClean="0"/>
-              <a:t>2017/7/26</a:t>
+              <a:t>2017/9/5</a:t>
             </a:fld>
             <a:endParaRPr kumimoji="1" lang="ja-JP" altLang="en-US"/>
           </a:p>
@@ -2924,7 +2929,7 @@
           <a:p>
             <a:fld id="{D0382469-18F5-4032-9568-07A3780B7EB0}" type="datetimeFigureOut">
               <a:rPr kumimoji="1" lang="ja-JP" altLang="en-US" smtClean="0"/>
-              <a:t>2017/7/26</a:t>
+              <a:t>2017/9/5</a:t>
             </a:fld>
             <a:endParaRPr kumimoji="1" lang="ja-JP" altLang="en-US"/>
           </a:p>
@@ -3197,7 +3202,7 @@
           <a:p>
             <a:fld id="{D0382469-18F5-4032-9568-07A3780B7EB0}" type="datetimeFigureOut">
               <a:rPr kumimoji="1" lang="ja-JP" altLang="en-US" smtClean="0"/>
-              <a:t>2017/7/26</a:t>
+              <a:t>2017/9/5</a:t>
             </a:fld>
             <a:endParaRPr kumimoji="1" lang="ja-JP" altLang="en-US"/>
           </a:p>
@@ -3958,6 +3963,79 @@
           </a:p>
         </p:txBody>
       </p:sp>
+      <p:sp>
+        <p:nvSpPr>
+          <p:cNvPr id="2" name="正方形/長方形 1">
+            <a:extLst>
+              <a:ext uri="{FF2B5EF4-FFF2-40B4-BE49-F238E27FC236}">
+                <a16:creationId xmlns:a16="http://schemas.microsoft.com/office/drawing/2014/main" id="{CF0998C9-8A8F-4742-A325-04BBC43579F4}"/>
+              </a:ext>
+            </a:extLst>
+          </p:cNvPr>
+          <p:cNvSpPr/>
+          <p:nvPr/>
+        </p:nvSpPr>
+        <p:spPr>
+          <a:xfrm>
+            <a:off x="4729223" y="2448860"/>
+            <a:ext cx="1779654" cy="707886"/>
+          </a:xfrm>
+          <a:prstGeom prst="rect">
+            <a:avLst/>
+          </a:prstGeom>
+          <a:noFill/>
+        </p:spPr>
+        <p:txBody>
+          <a:bodyPr wrap="none" lIns="91440" tIns="45720" rIns="91440" bIns="45720">
+            <a:spAutoFit/>
+          </a:bodyPr>
+          <a:lstStyle/>
+          <a:p>
+            <a:pPr algn="ctr"/>
+            <a:r>
+              <a:rPr lang="en-US" altLang="ja-JP" sz="4000" b="1" cap="none" spc="0" dirty="0">
+                <a:ln w="9525">
+                  <a:solidFill>
+                    <a:schemeClr val="bg1"/>
+                  </a:solidFill>
+                  <a:prstDash val="solid"/>
+                </a:ln>
+                <a:solidFill>
+                  <a:schemeClr val="tx1"/>
+                </a:solidFill>
+                <a:effectLst>
+                  <a:outerShdw blurRad="12700" dist="38100" dir="2700000" algn="tl" rotWithShape="0">
+                    <a:schemeClr val="bg1">
+                      <a:lumMod val="50000"/>
+                    </a:schemeClr>
+                  </a:outerShdw>
+                </a:effectLst>
+                <a:latin typeface="Arial Black" panose="020B0A04020102020204" pitchFamily="34" charset="0"/>
+              </a:rPr>
+              <a:t>Demo</a:t>
+            </a:r>
+            <a:endParaRPr lang="ja-JP" altLang="en-US" sz="4000" b="1" cap="none" spc="0" dirty="0">
+              <a:ln w="9525">
+                <a:solidFill>
+                  <a:schemeClr val="bg1"/>
+                </a:solidFill>
+                <a:prstDash val="solid"/>
+              </a:ln>
+              <a:solidFill>
+                <a:schemeClr val="tx1"/>
+              </a:solidFill>
+              <a:effectLst>
+                <a:outerShdw blurRad="12700" dist="38100" dir="2700000" algn="tl" rotWithShape="0">
+                  <a:schemeClr val="bg1">
+                    <a:lumMod val="50000"/>
+                  </a:schemeClr>
+                </a:outerShdw>
+              </a:effectLst>
+              <a:latin typeface="Arial Black" panose="020B0A04020102020204" pitchFamily="34" charset="0"/>
+            </a:endParaRPr>
+          </a:p>
+        </p:txBody>
+      </p:sp>
     </p:spTree>
     <p:extLst>
       <p:ext uri="{BB962C8B-B14F-4D97-AF65-F5344CB8AC3E}">
